--- a/docs/usage/project-management/src/work-on-servers/Ch1.3-work-on-servers.pptx
+++ b/docs/usage/project-management/src/work-on-servers/Ch1.3-work-on-servers.pptx
@@ -5,7 +5,7 @@
     <p:sldMasterId id="2147483648" r:id="rId1"/>
   </p:sldMasterIdLst>
   <p:notesMasterIdLst>
-    <p:notesMasterId r:id="rId12"/>
+    <p:notesMasterId r:id="rId13"/>
   </p:notesMasterIdLst>
   <p:sldIdLst>
     <p:sldId id="256" r:id="rId2"/>
@@ -17,7 +17,8 @@
     <p:sldId id="261" r:id="rId8"/>
     <p:sldId id="262" r:id="rId9"/>
     <p:sldId id="263" r:id="rId10"/>
-    <p:sldId id="264" r:id="rId11"/>
+    <p:sldId id="266" r:id="rId11"/>
+    <p:sldId id="264" r:id="rId12"/>
   </p:sldIdLst>
   <p:sldSz cx="12192000" cy="6858000"/>
   <p:notesSz cx="6858000" cy="9144000"/>
@@ -116,6 +117,11 @@
       </a:defRPr>
     </a:lvl9pPr>
   </p:defaultTextStyle>
+  <p:extLst>
+    <p:ext uri="{EFAFB233-063F-42B5-8137-9DF3F51BA10A}">
+      <p15:sldGuideLst xmlns:p15="http://schemas.microsoft.com/office/powerpoint/2012/main"/>
+    </p:ext>
+  </p:extLst>
 </p:presentation>
 </file>
 
@@ -5699,7 +5705,7 @@
           <a:p>
             <a:fld id="{0479430B-5E97-43BB-9662-6F75C6C486EE}" type="datetimeFigureOut">
               <a:rPr lang="en-US" smtClean="0"/>
-              <a:t>7/16/2021</a:t>
+              <a:t>12/28/2021</a:t>
             </a:fld>
             <a:endParaRPr lang="en-US"/>
           </a:p>
@@ -6200,7 +6206,7 @@
           <a:p>
             <a:fld id="{485C7E2A-270B-4B1B-9634-84DD09F1D7F3}" type="datetimeFigureOut">
               <a:rPr lang="en-US" smtClean="0"/>
-              <a:t>7/16/2021</a:t>
+              <a:t>12/28/2021</a:t>
             </a:fld>
             <a:endParaRPr lang="en-US"/>
           </a:p>
@@ -6400,7 +6406,7 @@
           <a:p>
             <a:fld id="{485C7E2A-270B-4B1B-9634-84DD09F1D7F3}" type="datetimeFigureOut">
               <a:rPr lang="en-US" smtClean="0"/>
-              <a:t>7/16/2021</a:t>
+              <a:t>12/28/2021</a:t>
             </a:fld>
             <a:endParaRPr lang="en-US"/>
           </a:p>
@@ -6610,7 +6616,7 @@
           <a:p>
             <a:fld id="{485C7E2A-270B-4B1B-9634-84DD09F1D7F3}" type="datetimeFigureOut">
               <a:rPr lang="en-US" smtClean="0"/>
-              <a:t>7/16/2021</a:t>
+              <a:t>12/28/2021</a:t>
             </a:fld>
             <a:endParaRPr lang="en-US"/>
           </a:p>
@@ -6810,7 +6816,7 @@
           <a:p>
             <a:fld id="{485C7E2A-270B-4B1B-9634-84DD09F1D7F3}" type="datetimeFigureOut">
               <a:rPr lang="en-US" smtClean="0"/>
-              <a:t>7/16/2021</a:t>
+              <a:t>12/28/2021</a:t>
             </a:fld>
             <a:endParaRPr lang="en-US"/>
           </a:p>
@@ -7086,7 +7092,7 @@
           <a:p>
             <a:fld id="{485C7E2A-270B-4B1B-9634-84DD09F1D7F3}" type="datetimeFigureOut">
               <a:rPr lang="en-US" smtClean="0"/>
-              <a:t>7/16/2021</a:t>
+              <a:t>12/28/2021</a:t>
             </a:fld>
             <a:endParaRPr lang="en-US"/>
           </a:p>
@@ -7354,7 +7360,7 @@
           <a:p>
             <a:fld id="{485C7E2A-270B-4B1B-9634-84DD09F1D7F3}" type="datetimeFigureOut">
               <a:rPr lang="en-US" smtClean="0"/>
-              <a:t>7/16/2021</a:t>
+              <a:t>12/28/2021</a:t>
             </a:fld>
             <a:endParaRPr lang="en-US"/>
           </a:p>
@@ -7769,7 +7775,7 @@
           <a:p>
             <a:fld id="{485C7E2A-270B-4B1B-9634-84DD09F1D7F3}" type="datetimeFigureOut">
               <a:rPr lang="en-US" smtClean="0"/>
-              <a:t>7/16/2021</a:t>
+              <a:t>12/28/2021</a:t>
             </a:fld>
             <a:endParaRPr lang="en-US"/>
           </a:p>
@@ -7911,7 +7917,7 @@
           <a:p>
             <a:fld id="{485C7E2A-270B-4B1B-9634-84DD09F1D7F3}" type="datetimeFigureOut">
               <a:rPr lang="en-US" smtClean="0"/>
-              <a:t>7/16/2021</a:t>
+              <a:t>12/28/2021</a:t>
             </a:fld>
             <a:endParaRPr lang="en-US"/>
           </a:p>
@@ -8024,7 +8030,7 @@
           <a:p>
             <a:fld id="{485C7E2A-270B-4B1B-9634-84DD09F1D7F3}" type="datetimeFigureOut">
               <a:rPr lang="en-US" smtClean="0"/>
-              <a:t>7/16/2021</a:t>
+              <a:t>12/28/2021</a:t>
             </a:fld>
             <a:endParaRPr lang="en-US"/>
           </a:p>
@@ -8337,7 +8343,7 @@
           <a:p>
             <a:fld id="{485C7E2A-270B-4B1B-9634-84DD09F1D7F3}" type="datetimeFigureOut">
               <a:rPr lang="en-US" smtClean="0"/>
-              <a:t>7/16/2021</a:t>
+              <a:t>12/28/2021</a:t>
             </a:fld>
             <a:endParaRPr lang="en-US"/>
           </a:p>
@@ -8626,7 +8632,7 @@
           <a:p>
             <a:fld id="{485C7E2A-270B-4B1B-9634-84DD09F1D7F3}" type="datetimeFigureOut">
               <a:rPr lang="en-US" smtClean="0"/>
-              <a:t>7/16/2021</a:t>
+              <a:t>12/28/2021</a:t>
             </a:fld>
             <a:endParaRPr lang="en-US"/>
           </a:p>
@@ -8869,7 +8875,7 @@
           <a:p>
             <a:fld id="{485C7E2A-270B-4B1B-9634-84DD09F1D7F3}" type="datetimeFigureOut">
               <a:rPr lang="en-US" smtClean="0"/>
-              <a:t>7/16/2021</a:t>
+              <a:t>12/28/2021</a:t>
             </a:fld>
             <a:endParaRPr lang="en-US"/>
           </a:p>
@@ -9319,8 +9325,8 @@
               <a:t>AstroHammer</a:t>
             </a:r>
             <a:r>
-              <a:rPr lang="en-US" sz="4000" b="1" dirty="0"/>
-              <a:t> 1.2 </a:t>
+              <a:rPr lang="en-US" sz="4000" b="1"/>
+              <a:t> 1.3 </a:t>
             </a:r>
             <a:br>
               <a:rPr lang="en-US" sz="4000" b="1" dirty="0"/>
@@ -9415,6 +9421,265 @@
 </file>
 
 <file path=ppt/slides/slide10.xml><?xml version="1.0" encoding="utf-8"?>
+<p:sld xmlns:a="http://schemas.openxmlformats.org/drawingml/2006/main" xmlns:r="http://schemas.openxmlformats.org/officeDocument/2006/relationships" xmlns:p="http://schemas.openxmlformats.org/presentationml/2006/main">
+  <p:cSld>
+    <p:spTree>
+      <p:nvGrpSpPr>
+        <p:cNvPr id="1" name=""/>
+        <p:cNvGrpSpPr/>
+        <p:nvPr/>
+      </p:nvGrpSpPr>
+      <p:grpSpPr>
+        <a:xfrm>
+          <a:off x="0" y="0"/>
+          <a:ext cx="0" cy="0"/>
+          <a:chOff x="0" y="0"/>
+          <a:chExt cx="0" cy="0"/>
+        </a:xfrm>
+      </p:grpSpPr>
+      <p:sp>
+        <p:nvSpPr>
+          <p:cNvPr id="2" name="标题 1">
+            <a:extLst>
+              <a:ext uri="{FF2B5EF4-FFF2-40B4-BE49-F238E27FC236}">
+                <a16:creationId xmlns:a16="http://schemas.microsoft.com/office/drawing/2014/main" id="{44D2DB0D-B1DE-4FF7-8E3D-16E787CD4A77}"/>
+              </a:ext>
+            </a:extLst>
+          </p:cNvPr>
+          <p:cNvSpPr>
+            <a:spLocks noGrp="1"/>
+          </p:cNvSpPr>
+          <p:nvPr>
+            <p:ph type="title"/>
+          </p:nvPr>
+        </p:nvSpPr>
+        <p:spPr/>
+        <p:txBody>
+          <a:bodyPr/>
+          <a:lstStyle/>
+          <a:p>
+            <a:r>
+              <a:rPr lang="en-US" dirty="0"/>
+              <a:t>git – sync your local code repo with remote </a:t>
+            </a:r>
+          </a:p>
+        </p:txBody>
+      </p:sp>
+      <p:sp>
+        <p:nvSpPr>
+          <p:cNvPr id="3" name="内容占位符 2">
+            <a:extLst>
+              <a:ext uri="{FF2B5EF4-FFF2-40B4-BE49-F238E27FC236}">
+                <a16:creationId xmlns:a16="http://schemas.microsoft.com/office/drawing/2014/main" id="{2310D014-DE12-4A7D-BE95-55CDE40DA9C8}"/>
+              </a:ext>
+            </a:extLst>
+          </p:cNvPr>
+          <p:cNvSpPr>
+            <a:spLocks noGrp="1"/>
+          </p:cNvSpPr>
+          <p:nvPr>
+            <p:ph idx="1"/>
+          </p:nvPr>
+        </p:nvSpPr>
+        <p:spPr/>
+        <p:txBody>
+          <a:bodyPr>
+            <a:normAutofit/>
+          </a:bodyPr>
+          <a:lstStyle/>
+          <a:p>
+            <a:r>
+              <a:rPr lang="en-US" dirty="0"/>
+              <a:t>Initialize and configure an “empty” git repo on </a:t>
+            </a:r>
+            <a:r>
+              <a:rPr lang="en-US" altLang="zh-CN" dirty="0"/>
+              <a:t>the</a:t>
+            </a:r>
+            <a:r>
+              <a:rPr lang="en-US" dirty="0"/>
+              <a:t> remote.</a:t>
+            </a:r>
+          </a:p>
+          <a:p>
+            <a:pPr lvl="1"/>
+            <a:r>
+              <a:rPr lang="en-US" sz="1800" dirty="0" err="1">
+                <a:latin typeface="Consolas" panose="020B0609020204030204" pitchFamily="49" charset="0"/>
+              </a:rPr>
+              <a:t>mkdir</a:t>
+            </a:r>
+            <a:r>
+              <a:rPr lang="en-US" sz="1800" dirty="0">
+                <a:latin typeface="Consolas" panose="020B0609020204030204" pitchFamily="49" charset="0"/>
+              </a:rPr>
+              <a:t> repo-name &amp;&amp; cd repo-name</a:t>
+            </a:r>
+          </a:p>
+          <a:p>
+            <a:pPr lvl="1"/>
+            <a:r>
+              <a:rPr lang="en-US" sz="1800" dirty="0">
+                <a:latin typeface="Consolas" panose="020B0609020204030204" pitchFamily="49" charset="0"/>
+              </a:rPr>
+              <a:t>git </a:t>
+            </a:r>
+            <a:r>
+              <a:rPr lang="en-US" sz="1800" dirty="0" err="1">
+                <a:latin typeface="Consolas" panose="020B0609020204030204" pitchFamily="49" charset="0"/>
+              </a:rPr>
+              <a:t>init</a:t>
+            </a:r>
+            <a:endParaRPr lang="en-US" sz="1800" dirty="0">
+              <a:latin typeface="Consolas" panose="020B0609020204030204" pitchFamily="49" charset="0"/>
+            </a:endParaRPr>
+          </a:p>
+          <a:p>
+            <a:pPr lvl="1"/>
+            <a:r>
+              <a:rPr lang="en-US" sz="1800" dirty="0">
+                <a:latin typeface="Consolas" panose="020B0609020204030204" pitchFamily="49" charset="0"/>
+              </a:rPr>
+              <a:t>git config </a:t>
+            </a:r>
+            <a:r>
+              <a:rPr lang="en-US" sz="1800" dirty="0" err="1">
+                <a:latin typeface="Consolas" panose="020B0609020204030204" pitchFamily="49" charset="0"/>
+              </a:rPr>
+              <a:t>receive.denyCurrentBranch</a:t>
+            </a:r>
+            <a:r>
+              <a:rPr lang="en-US" sz="1800" dirty="0">
+                <a:latin typeface="Consolas" panose="020B0609020204030204" pitchFamily="49" charset="0"/>
+              </a:rPr>
+              <a:t> ignore</a:t>
+            </a:r>
+          </a:p>
+          <a:p>
+            <a:pPr lvl="1"/>
+            <a:r>
+              <a:rPr lang="en-US" sz="1800" dirty="0">
+                <a:latin typeface="Consolas" panose="020B0609020204030204" pitchFamily="49" charset="0"/>
+              </a:rPr>
+              <a:t>git config --bool </a:t>
+            </a:r>
+            <a:r>
+              <a:rPr lang="en-US" sz="1800" dirty="0" err="1">
+                <a:latin typeface="Consolas" panose="020B0609020204030204" pitchFamily="49" charset="0"/>
+              </a:rPr>
+              <a:t>receive.denyNonFastForward</a:t>
+            </a:r>
+            <a:r>
+              <a:rPr lang="en-US" sz="1800" dirty="0">
+                <a:latin typeface="Consolas" panose="020B0609020204030204" pitchFamily="49" charset="0"/>
+              </a:rPr>
+              <a:t> false</a:t>
+            </a:r>
+          </a:p>
+          <a:p>
+            <a:r>
+              <a:rPr lang="en-US" dirty="0"/>
+              <a:t>On the local: bind the remote repo to the local. Then make synchronization.</a:t>
+            </a:r>
+          </a:p>
+          <a:p>
+            <a:pPr lvl="1"/>
+            <a:r>
+              <a:rPr lang="en-US" sz="1800" dirty="0">
+                <a:latin typeface="Consolas" panose="020B0609020204030204" pitchFamily="49" charset="0"/>
+              </a:rPr>
+              <a:t>git remote add origin </a:t>
+            </a:r>
+            <a:r>
+              <a:rPr lang="en-US" sz="1800" dirty="0">
+                <a:latin typeface="Consolas" panose="020B0609020204030204" pitchFamily="49" charset="0"/>
+                <a:hlinkClick r:id="rId2"/>
+              </a:rPr>
+              <a:t>hubble@166.111.131.54:/home/</a:t>
+            </a:r>
+            <a:r>
+              <a:rPr lang="en-US" sz="1800" dirty="0" err="1">
+                <a:latin typeface="Consolas" panose="020B0609020204030204" pitchFamily="49" charset="0"/>
+                <a:hlinkClick r:id="rId2"/>
+              </a:rPr>
+              <a:t>hubble</a:t>
+            </a:r>
+            <a:r>
+              <a:rPr lang="en-US" sz="1800" dirty="0">
+                <a:latin typeface="Consolas" panose="020B0609020204030204" pitchFamily="49" charset="0"/>
+                <a:hlinkClick r:id="rId2"/>
+              </a:rPr>
+              <a:t>/repo-name/.git</a:t>
+            </a:r>
+            <a:endParaRPr lang="en-US" sz="1800" dirty="0">
+              <a:latin typeface="Consolas" panose="020B0609020204030204" pitchFamily="49" charset="0"/>
+            </a:endParaRPr>
+          </a:p>
+          <a:p>
+            <a:pPr lvl="1"/>
+            <a:r>
+              <a:rPr lang="en-US" sz="1800" dirty="0">
+                <a:latin typeface="Consolas" panose="020B0609020204030204" pitchFamily="49" charset="0"/>
+              </a:rPr>
+              <a:t>git push origin master</a:t>
+            </a:r>
+          </a:p>
+          <a:p>
+            <a:r>
+              <a:rPr lang="en-US" dirty="0"/>
+              <a:t>On</a:t>
+            </a:r>
+            <a:r>
+              <a:rPr lang="zh-CN" altLang="en-US" dirty="0"/>
+              <a:t> </a:t>
+            </a:r>
+            <a:r>
+              <a:rPr lang="en-US" altLang="zh-CN" dirty="0"/>
+              <a:t>the</a:t>
+            </a:r>
+            <a:r>
+              <a:rPr lang="zh-CN" altLang="en-US" dirty="0"/>
+              <a:t> </a:t>
+            </a:r>
+            <a:r>
+              <a:rPr lang="en-US" altLang="zh-CN" dirty="0"/>
+              <a:t>remote,</a:t>
+            </a:r>
+            <a:r>
+              <a:rPr lang="zh-CN" altLang="en-US" dirty="0"/>
+              <a:t> </a:t>
+            </a:r>
+            <a:r>
+              <a:rPr lang="en-US" altLang="zh-CN" dirty="0"/>
+              <a:t>“reset” to see the changes:</a:t>
+            </a:r>
+            <a:endParaRPr lang="en-US" dirty="0"/>
+          </a:p>
+          <a:p>
+            <a:pPr lvl="1"/>
+            <a:r>
+              <a:rPr lang="en-US" sz="1800" dirty="0">
+                <a:latin typeface="Consolas" panose="020B0609020204030204" pitchFamily="49" charset="0"/>
+              </a:rPr>
+              <a:t>git reset --hard</a:t>
+            </a:r>
+          </a:p>
+        </p:txBody>
+      </p:sp>
+    </p:spTree>
+    <p:extLst>
+      <p:ext uri="{BB962C8B-B14F-4D97-AF65-F5344CB8AC3E}">
+        <p14:creationId xmlns:p14="http://schemas.microsoft.com/office/powerpoint/2010/main" val="3620619532"/>
+      </p:ext>
+    </p:extLst>
+  </p:cSld>
+  <p:clrMapOvr>
+    <a:masterClrMapping/>
+  </p:clrMapOvr>
+</p:sld>
+</file>
+
+<file path=ppt/slides/slide11.xml><?xml version="1.0" encoding="utf-8"?>
 <p:sld xmlns:a="http://schemas.openxmlformats.org/drawingml/2006/main" xmlns:r="http://schemas.openxmlformats.org/officeDocument/2006/relationships" xmlns:p="http://schemas.openxmlformats.org/presentationml/2006/main">
   <p:cSld>
     <p:spTree>
